--- a/doc/Notes/Reference Energy System.pptx
+++ b/doc/Notes/Reference Energy System.pptx
@@ -14590,8 +14590,8 @@
         </p:nvSpPr>
         <p:spPr>
           <a:xfrm>
-            <a:off x="11095786" y="99169"/>
-            <a:ext cx="937718" cy="707886"/>
+            <a:off x="11121505" y="-6679"/>
+            <a:ext cx="833340" cy="707886"/>
           </a:xfrm>
           <a:prstGeom prst="rect">
             <a:avLst/>
@@ -14610,6 +14610,608 @@
               </a:rPr>
               <a:t>NZ</a:t>
             </a:r>
+          </a:p>
+        </p:txBody>
+      </p:sp>
+      <p:sp>
+        <p:nvSpPr>
+          <p:cNvPr id="852" name="Rectangle 851">
+            <a:extLst>
+              <a:ext uri="{FF2B5EF4-FFF2-40B4-BE49-F238E27FC236}">
+                <a16:creationId xmlns:a16="http://schemas.microsoft.com/office/drawing/2014/main" id="{35EED50C-B0D9-2647-8EC8-9E37E7F1616A}"/>
+              </a:ext>
+            </a:extLst>
+          </p:cNvPr>
+          <p:cNvSpPr/>
+          <p:nvPr/>
+        </p:nvSpPr>
+        <p:spPr>
+          <a:xfrm>
+            <a:off x="11100833" y="794630"/>
+            <a:ext cx="874684" cy="289993"/>
+          </a:xfrm>
+          <a:prstGeom prst="rect">
+            <a:avLst/>
+          </a:prstGeom>
+          <a:solidFill>
+            <a:schemeClr val="accent4"/>
+          </a:solidFill>
+          <a:ln w="38100">
+            <a:solidFill>
+              <a:schemeClr val="tx1"/>
+            </a:solidFill>
+          </a:ln>
+        </p:spPr>
+        <p:style>
+          <a:lnRef idx="2">
+            <a:schemeClr val="accent1">
+              <a:shade val="50000"/>
+            </a:schemeClr>
+          </a:lnRef>
+          <a:fillRef idx="1">
+            <a:schemeClr val="accent1"/>
+          </a:fillRef>
+          <a:effectRef idx="0">
+            <a:schemeClr val="accent1"/>
+          </a:effectRef>
+          <a:fontRef idx="minor">
+            <a:schemeClr val="lt1"/>
+          </a:fontRef>
+        </p:style>
+        <p:txBody>
+          <a:bodyPr rtlCol="0" anchor="ctr"/>
+          <a:lstStyle/>
+          <a:p>
+            <a:pPr algn="ctr"/>
+            <a:r>
+              <a:rPr lang="en-US" sz="800" dirty="0">
+                <a:solidFill>
+                  <a:sysClr val="windowText" lastClr="000000"/>
+                </a:solidFill>
+              </a:rPr>
+              <a:t>Production</a:t>
+            </a:r>
+          </a:p>
+        </p:txBody>
+      </p:sp>
+      <p:sp>
+        <p:nvSpPr>
+          <p:cNvPr id="853" name="Rectangle 852">
+            <a:extLst>
+              <a:ext uri="{FF2B5EF4-FFF2-40B4-BE49-F238E27FC236}">
+                <a16:creationId xmlns:a16="http://schemas.microsoft.com/office/drawing/2014/main" id="{FC4ABBBE-1DFD-F546-81BE-75D65EE1F3F1}"/>
+              </a:ext>
+            </a:extLst>
+          </p:cNvPr>
+          <p:cNvSpPr/>
+          <p:nvPr/>
+        </p:nvSpPr>
+        <p:spPr>
+          <a:xfrm>
+            <a:off x="11100833" y="1178046"/>
+            <a:ext cx="874684" cy="289993"/>
+          </a:xfrm>
+          <a:prstGeom prst="rect">
+            <a:avLst/>
+          </a:prstGeom>
+          <a:solidFill>
+            <a:srgbClr val="7030A0"/>
+          </a:solidFill>
+          <a:ln w="38100">
+            <a:solidFill>
+              <a:schemeClr val="tx1"/>
+            </a:solidFill>
+          </a:ln>
+        </p:spPr>
+        <p:style>
+          <a:lnRef idx="2">
+            <a:schemeClr val="accent1">
+              <a:shade val="50000"/>
+            </a:schemeClr>
+          </a:lnRef>
+          <a:fillRef idx="1">
+            <a:schemeClr val="accent1"/>
+          </a:fillRef>
+          <a:effectRef idx="0">
+            <a:schemeClr val="accent1"/>
+          </a:effectRef>
+          <a:fontRef idx="minor">
+            <a:schemeClr val="lt1"/>
+          </a:fontRef>
+        </p:style>
+        <p:txBody>
+          <a:bodyPr rtlCol="0" anchor="ctr"/>
+          <a:lstStyle/>
+          <a:p>
+            <a:pPr algn="ctr"/>
+            <a:r>
+              <a:rPr lang="en-US" sz="800"/>
+              <a:t>Conversion</a:t>
+            </a:r>
+            <a:endParaRPr lang="en-US" sz="800" dirty="0"/>
+          </a:p>
+        </p:txBody>
+      </p:sp>
+      <p:sp>
+        <p:nvSpPr>
+          <p:cNvPr id="854" name="Rectangle 853">
+            <a:extLst>
+              <a:ext uri="{FF2B5EF4-FFF2-40B4-BE49-F238E27FC236}">
+                <a16:creationId xmlns:a16="http://schemas.microsoft.com/office/drawing/2014/main" id="{808CA424-409D-5E41-9576-6D47F9F090F1}"/>
+              </a:ext>
+            </a:extLst>
+          </p:cNvPr>
+          <p:cNvSpPr/>
+          <p:nvPr/>
+        </p:nvSpPr>
+        <p:spPr>
+          <a:xfrm>
+            <a:off x="11100833" y="1561462"/>
+            <a:ext cx="874684" cy="289993"/>
+          </a:xfrm>
+          <a:prstGeom prst="rect">
+            <a:avLst/>
+          </a:prstGeom>
+          <a:solidFill>
+            <a:srgbClr val="FF0000"/>
+          </a:solidFill>
+          <a:ln w="38100">
+            <a:solidFill>
+              <a:schemeClr val="tx1"/>
+            </a:solidFill>
+          </a:ln>
+        </p:spPr>
+        <p:style>
+          <a:lnRef idx="2">
+            <a:schemeClr val="accent1">
+              <a:shade val="50000"/>
+            </a:schemeClr>
+          </a:lnRef>
+          <a:fillRef idx="1">
+            <a:schemeClr val="accent1"/>
+          </a:fillRef>
+          <a:effectRef idx="0">
+            <a:schemeClr val="accent1"/>
+          </a:effectRef>
+          <a:fontRef idx="minor">
+            <a:schemeClr val="lt1"/>
+          </a:fontRef>
+        </p:style>
+        <p:txBody>
+          <a:bodyPr rtlCol="0" anchor="ctr"/>
+          <a:lstStyle/>
+          <a:p>
+            <a:pPr algn="ctr"/>
+            <a:r>
+              <a:rPr lang="en-US" sz="800"/>
+              <a:t>Consumption</a:t>
+            </a:r>
+            <a:endParaRPr lang="en-US" sz="800" dirty="0"/>
+          </a:p>
+        </p:txBody>
+      </p:sp>
+      <p:sp>
+        <p:nvSpPr>
+          <p:cNvPr id="855" name="Rectangle 854">
+            <a:extLst>
+              <a:ext uri="{FF2B5EF4-FFF2-40B4-BE49-F238E27FC236}">
+                <a16:creationId xmlns:a16="http://schemas.microsoft.com/office/drawing/2014/main" id="{0F254C7B-82BD-6E4C-8432-E2F005DFCC48}"/>
+              </a:ext>
+            </a:extLst>
+          </p:cNvPr>
+          <p:cNvSpPr/>
+          <p:nvPr/>
+        </p:nvSpPr>
+        <p:spPr>
+          <a:xfrm>
+            <a:off x="11100833" y="1944878"/>
+            <a:ext cx="874684" cy="289993"/>
+          </a:xfrm>
+          <a:prstGeom prst="rect">
+            <a:avLst/>
+          </a:prstGeom>
+          <a:solidFill>
+            <a:schemeClr val="tx1"/>
+          </a:solidFill>
+          <a:ln w="38100">
+            <a:solidFill>
+              <a:schemeClr val="tx1"/>
+            </a:solidFill>
+          </a:ln>
+        </p:spPr>
+        <p:style>
+          <a:lnRef idx="2">
+            <a:schemeClr val="accent1">
+              <a:shade val="50000"/>
+            </a:schemeClr>
+          </a:lnRef>
+          <a:fillRef idx="1">
+            <a:schemeClr val="accent1"/>
+          </a:fillRef>
+          <a:effectRef idx="0">
+            <a:schemeClr val="accent1"/>
+          </a:effectRef>
+          <a:fontRef idx="minor">
+            <a:schemeClr val="lt1"/>
+          </a:fontRef>
+        </p:style>
+        <p:txBody>
+          <a:bodyPr rtlCol="0" anchor="ctr"/>
+          <a:lstStyle/>
+          <a:p>
+            <a:pPr algn="ctr"/>
+            <a:r>
+              <a:rPr lang="en-US" sz="800"/>
+              <a:t>Coal</a:t>
+            </a:r>
+            <a:endParaRPr lang="en-US" sz="800" dirty="0"/>
+          </a:p>
+        </p:txBody>
+      </p:sp>
+      <p:sp>
+        <p:nvSpPr>
+          <p:cNvPr id="856" name="Rectangle 855">
+            <a:extLst>
+              <a:ext uri="{FF2B5EF4-FFF2-40B4-BE49-F238E27FC236}">
+                <a16:creationId xmlns:a16="http://schemas.microsoft.com/office/drawing/2014/main" id="{4B2D3921-F0BF-3F41-9A41-8C1B34736D7A}"/>
+              </a:ext>
+            </a:extLst>
+          </p:cNvPr>
+          <p:cNvSpPr/>
+          <p:nvPr/>
+        </p:nvSpPr>
+        <p:spPr>
+          <a:xfrm>
+            <a:off x="11100833" y="2328294"/>
+            <a:ext cx="874684" cy="289993"/>
+          </a:xfrm>
+          <a:prstGeom prst="rect">
+            <a:avLst/>
+          </a:prstGeom>
+          <a:solidFill>
+            <a:schemeClr val="accent2"/>
+          </a:solidFill>
+          <a:ln w="38100">
+            <a:solidFill>
+              <a:schemeClr val="tx1"/>
+            </a:solidFill>
+          </a:ln>
+        </p:spPr>
+        <p:style>
+          <a:lnRef idx="2">
+            <a:schemeClr val="accent1">
+              <a:shade val="50000"/>
+            </a:schemeClr>
+          </a:lnRef>
+          <a:fillRef idx="1">
+            <a:schemeClr val="accent1"/>
+          </a:fillRef>
+          <a:effectRef idx="0">
+            <a:schemeClr val="accent1"/>
+          </a:effectRef>
+          <a:fontRef idx="minor">
+            <a:schemeClr val="lt1"/>
+          </a:fontRef>
+        </p:style>
+        <p:txBody>
+          <a:bodyPr rtlCol="0" anchor="ctr"/>
+          <a:lstStyle/>
+          <a:p>
+            <a:pPr algn="ctr"/>
+            <a:r>
+              <a:rPr lang="en-US" sz="800"/>
+              <a:t>Oil</a:t>
+            </a:r>
+            <a:endParaRPr lang="en-US" sz="800" dirty="0"/>
+          </a:p>
+        </p:txBody>
+      </p:sp>
+      <p:sp>
+        <p:nvSpPr>
+          <p:cNvPr id="857" name="Rectangle 856">
+            <a:extLst>
+              <a:ext uri="{FF2B5EF4-FFF2-40B4-BE49-F238E27FC236}">
+                <a16:creationId xmlns:a16="http://schemas.microsoft.com/office/drawing/2014/main" id="{12A307F7-1AD9-C249-959A-F3FEF8AEAEC1}"/>
+              </a:ext>
+            </a:extLst>
+          </p:cNvPr>
+          <p:cNvSpPr/>
+          <p:nvPr/>
+        </p:nvSpPr>
+        <p:spPr>
+          <a:xfrm>
+            <a:off x="11100833" y="2711710"/>
+            <a:ext cx="874684" cy="289993"/>
+          </a:xfrm>
+          <a:prstGeom prst="rect">
+            <a:avLst/>
+          </a:prstGeom>
+          <a:solidFill>
+            <a:srgbClr val="FFFF00"/>
+          </a:solidFill>
+          <a:ln w="38100">
+            <a:solidFill>
+              <a:schemeClr val="tx1"/>
+            </a:solidFill>
+          </a:ln>
+        </p:spPr>
+        <p:style>
+          <a:lnRef idx="2">
+            <a:schemeClr val="accent1">
+              <a:shade val="50000"/>
+            </a:schemeClr>
+          </a:lnRef>
+          <a:fillRef idx="1">
+            <a:schemeClr val="accent1"/>
+          </a:fillRef>
+          <a:effectRef idx="0">
+            <a:schemeClr val="accent1"/>
+          </a:effectRef>
+          <a:fontRef idx="minor">
+            <a:schemeClr val="lt1"/>
+          </a:fontRef>
+        </p:style>
+        <p:txBody>
+          <a:bodyPr rtlCol="0" anchor="ctr"/>
+          <a:lstStyle/>
+          <a:p>
+            <a:pPr algn="ctr"/>
+            <a:r>
+              <a:rPr lang="en-US" sz="800">
+                <a:solidFill>
+                  <a:schemeClr val="tx1"/>
+                </a:solidFill>
+              </a:rPr>
+              <a:t>Natural Gas</a:t>
+            </a:r>
+            <a:endParaRPr lang="en-US" sz="800" dirty="0">
+              <a:solidFill>
+                <a:schemeClr val="tx1"/>
+              </a:solidFill>
+            </a:endParaRPr>
+          </a:p>
+        </p:txBody>
+      </p:sp>
+      <p:sp>
+        <p:nvSpPr>
+          <p:cNvPr id="858" name="Rectangle 857">
+            <a:extLst>
+              <a:ext uri="{FF2B5EF4-FFF2-40B4-BE49-F238E27FC236}">
+                <a16:creationId xmlns:a16="http://schemas.microsoft.com/office/drawing/2014/main" id="{7E8A50A2-DDAD-AD41-9FC6-D238DFD54F13}"/>
+              </a:ext>
+            </a:extLst>
+          </p:cNvPr>
+          <p:cNvSpPr/>
+          <p:nvPr/>
+        </p:nvSpPr>
+        <p:spPr>
+          <a:xfrm>
+            <a:off x="11100833" y="3095126"/>
+            <a:ext cx="874684" cy="289993"/>
+          </a:xfrm>
+          <a:prstGeom prst="rect">
+            <a:avLst/>
+          </a:prstGeom>
+          <a:solidFill>
+            <a:srgbClr val="00B050"/>
+          </a:solidFill>
+          <a:ln w="38100">
+            <a:solidFill>
+              <a:schemeClr val="tx1"/>
+            </a:solidFill>
+          </a:ln>
+        </p:spPr>
+        <p:style>
+          <a:lnRef idx="2">
+            <a:schemeClr val="accent1">
+              <a:shade val="50000"/>
+            </a:schemeClr>
+          </a:lnRef>
+          <a:fillRef idx="1">
+            <a:schemeClr val="accent1"/>
+          </a:fillRef>
+          <a:effectRef idx="0">
+            <a:schemeClr val="accent1"/>
+          </a:effectRef>
+          <a:fontRef idx="minor">
+            <a:schemeClr val="lt1"/>
+          </a:fontRef>
+        </p:style>
+        <p:txBody>
+          <a:bodyPr rtlCol="0" anchor="ctr"/>
+          <a:lstStyle/>
+          <a:p>
+            <a:pPr algn="ctr"/>
+            <a:r>
+              <a:rPr lang="en-US" sz="800"/>
+              <a:t>Renewables</a:t>
+            </a:r>
+            <a:endParaRPr lang="en-US" sz="800" dirty="0"/>
+          </a:p>
+        </p:txBody>
+      </p:sp>
+      <p:sp>
+        <p:nvSpPr>
+          <p:cNvPr id="859" name="Rectangle 858">
+            <a:extLst>
+              <a:ext uri="{FF2B5EF4-FFF2-40B4-BE49-F238E27FC236}">
+                <a16:creationId xmlns:a16="http://schemas.microsoft.com/office/drawing/2014/main" id="{2ED33CAC-222A-9749-BA2C-8C3A18316561}"/>
+              </a:ext>
+            </a:extLst>
+          </p:cNvPr>
+          <p:cNvSpPr/>
+          <p:nvPr/>
+        </p:nvSpPr>
+        <p:spPr>
+          <a:xfrm>
+            <a:off x="11100833" y="3478542"/>
+            <a:ext cx="874684" cy="289993"/>
+          </a:xfrm>
+          <a:prstGeom prst="rect">
+            <a:avLst/>
+          </a:prstGeom>
+          <a:solidFill>
+            <a:srgbClr val="00B0F0"/>
+          </a:solidFill>
+          <a:ln w="38100">
+            <a:solidFill>
+              <a:schemeClr val="tx1"/>
+            </a:solidFill>
+          </a:ln>
+        </p:spPr>
+        <p:style>
+          <a:lnRef idx="2">
+            <a:schemeClr val="accent1">
+              <a:shade val="50000"/>
+            </a:schemeClr>
+          </a:lnRef>
+          <a:fillRef idx="1">
+            <a:schemeClr val="accent1"/>
+          </a:fillRef>
+          <a:effectRef idx="0">
+            <a:schemeClr val="accent1"/>
+          </a:effectRef>
+          <a:fontRef idx="minor">
+            <a:schemeClr val="lt1"/>
+          </a:fontRef>
+        </p:style>
+        <p:txBody>
+          <a:bodyPr rtlCol="0" anchor="ctr"/>
+          <a:lstStyle/>
+          <a:p>
+            <a:pPr algn="ctr"/>
+            <a:r>
+              <a:rPr lang="en-US" sz="800"/>
+              <a:t>Electricity</a:t>
+            </a:r>
+            <a:endParaRPr lang="en-US" sz="800" dirty="0"/>
+          </a:p>
+        </p:txBody>
+      </p:sp>
+      <p:sp>
+        <p:nvSpPr>
+          <p:cNvPr id="860" name="Rectangle 859">
+            <a:extLst>
+              <a:ext uri="{FF2B5EF4-FFF2-40B4-BE49-F238E27FC236}">
+                <a16:creationId xmlns:a16="http://schemas.microsoft.com/office/drawing/2014/main" id="{29BB08B0-31D4-E94B-85C2-8B8876660105}"/>
+              </a:ext>
+            </a:extLst>
+          </p:cNvPr>
+          <p:cNvSpPr/>
+          <p:nvPr/>
+        </p:nvSpPr>
+        <p:spPr>
+          <a:xfrm>
+            <a:off x="11100833" y="3861958"/>
+            <a:ext cx="874684" cy="289993"/>
+          </a:xfrm>
+          <a:prstGeom prst="rect">
+            <a:avLst/>
+          </a:prstGeom>
+          <a:solidFill>
+            <a:srgbClr val="0070C0"/>
+          </a:solidFill>
+          <a:ln w="38100">
+            <a:solidFill>
+              <a:schemeClr val="tx1"/>
+            </a:solidFill>
+          </a:ln>
+        </p:spPr>
+        <p:style>
+          <a:lnRef idx="2">
+            <a:schemeClr val="accent1">
+              <a:shade val="50000"/>
+            </a:schemeClr>
+          </a:lnRef>
+          <a:fillRef idx="1">
+            <a:schemeClr val="accent1"/>
+          </a:fillRef>
+          <a:effectRef idx="0">
+            <a:schemeClr val="accent1"/>
+          </a:effectRef>
+          <a:fontRef idx="minor">
+            <a:schemeClr val="lt1"/>
+          </a:fontRef>
+        </p:style>
+        <p:txBody>
+          <a:bodyPr rtlCol="0" anchor="ctr"/>
+          <a:lstStyle/>
+          <a:p>
+            <a:pPr algn="ctr"/>
+            <a:r>
+              <a:rPr lang="en-US" sz="800"/>
+              <a:t>Waste Heat</a:t>
+            </a:r>
+            <a:endParaRPr lang="en-US" sz="800" dirty="0"/>
+          </a:p>
+        </p:txBody>
+      </p:sp>
+      <p:sp>
+        <p:nvSpPr>
+          <p:cNvPr id="861" name="Rectangle 860">
+            <a:extLst>
+              <a:ext uri="{FF2B5EF4-FFF2-40B4-BE49-F238E27FC236}">
+                <a16:creationId xmlns:a16="http://schemas.microsoft.com/office/drawing/2014/main" id="{43BA3C13-4DC5-6F41-9CC7-DF03CA667CD2}"/>
+              </a:ext>
+            </a:extLst>
+          </p:cNvPr>
+          <p:cNvSpPr/>
+          <p:nvPr/>
+        </p:nvSpPr>
+        <p:spPr>
+          <a:xfrm>
+            <a:off x="11100833" y="4245373"/>
+            <a:ext cx="874684" cy="289993"/>
+          </a:xfrm>
+          <a:prstGeom prst="rect">
+            <a:avLst/>
+          </a:prstGeom>
+          <a:solidFill>
+            <a:schemeClr val="accent1">
+              <a:lumMod val="40000"/>
+              <a:lumOff val="60000"/>
+            </a:schemeClr>
+          </a:solidFill>
+          <a:ln w="38100">
+            <a:solidFill>
+              <a:schemeClr val="tx1"/>
+            </a:solidFill>
+          </a:ln>
+        </p:spPr>
+        <p:style>
+          <a:lnRef idx="2">
+            <a:schemeClr val="accent1">
+              <a:shade val="50000"/>
+            </a:schemeClr>
+          </a:lnRef>
+          <a:fillRef idx="1">
+            <a:schemeClr val="accent1"/>
+          </a:fillRef>
+          <a:effectRef idx="0">
+            <a:schemeClr val="accent1"/>
+          </a:effectRef>
+          <a:fontRef idx="minor">
+            <a:schemeClr val="lt1"/>
+          </a:fontRef>
+        </p:style>
+        <p:txBody>
+          <a:bodyPr rtlCol="0" anchor="ctr"/>
+          <a:lstStyle/>
+          <a:p>
+            <a:pPr algn="ctr"/>
+            <a:r>
+              <a:rPr lang="en-US" sz="800">
+                <a:solidFill>
+                  <a:sysClr val="windowText" lastClr="000000"/>
+                </a:solidFill>
+              </a:rPr>
+              <a:t>Statistical Differences</a:t>
+            </a:r>
+            <a:endParaRPr lang="en-US" sz="800" dirty="0">
+              <a:solidFill>
+                <a:sysClr val="windowText" lastClr="000000"/>
+              </a:solidFill>
+            </a:endParaRPr>
           </a:p>
         </p:txBody>
       </p:sp>
